--- a/presentation.pptx
+++ b/presentation.pptx
@@ -113,6 +113,11 @@
       </a:defRPr>
     </a:lvl9pPr>
   </p:defaultTextStyle>
+  <p:extLst>
+    <p:ext uri="{EFAFB233-063F-42B5-8137-9DF3F51BA10A}">
+      <p15:sldGuideLst xmlns:p15="http://schemas.microsoft.com/office/powerpoint/2012/main"/>
+    </p:ext>
+  </p:extLst>
 </p:presentation>
 </file>
 
@@ -302,7 +307,7 @@
           <a:p>
             <a:fld id="{D4779389-B9FB-4567-BD01-0A5B03636832}" type="datetimeFigureOut">
               <a:rPr lang="zh-CN" altLang="en-US" smtClean="0"/>
-              <a:t>2016/6/19</a:t>
+              <a:t>2016/6/20</a:t>
             </a:fld>
             <a:endParaRPr lang="zh-CN" altLang="en-US"/>
           </a:p>
@@ -577,7 +582,7 @@
           <a:p>
             <a:fld id="{D4779389-B9FB-4567-BD01-0A5B03636832}" type="datetimeFigureOut">
               <a:rPr lang="zh-CN" altLang="en-US" smtClean="0"/>
-              <a:t>2016/6/19</a:t>
+              <a:t>2016/6/20</a:t>
             </a:fld>
             <a:endParaRPr lang="zh-CN" altLang="en-US"/>
           </a:p>
@@ -771,7 +776,7 @@
           <a:p>
             <a:fld id="{D4779389-B9FB-4567-BD01-0A5B03636832}" type="datetimeFigureOut">
               <a:rPr lang="zh-CN" altLang="en-US" smtClean="0"/>
-              <a:t>2016/6/19</a:t>
+              <a:t>2016/6/20</a:t>
             </a:fld>
             <a:endParaRPr lang="zh-CN" altLang="en-US"/>
           </a:p>
@@ -1044,7 +1049,7 @@
           <a:p>
             <a:fld id="{D4779389-B9FB-4567-BD01-0A5B03636832}" type="datetimeFigureOut">
               <a:rPr lang="zh-CN" altLang="en-US" smtClean="0"/>
-              <a:t>2016/6/19</a:t>
+              <a:t>2016/6/20</a:t>
             </a:fld>
             <a:endParaRPr lang="zh-CN" altLang="en-US"/>
           </a:p>
@@ -1385,7 +1390,7 @@
           <a:p>
             <a:fld id="{D4779389-B9FB-4567-BD01-0A5B03636832}" type="datetimeFigureOut">
               <a:rPr lang="zh-CN" altLang="en-US" smtClean="0"/>
-              <a:t>2016/6/19</a:t>
+              <a:t>2016/6/20</a:t>
             </a:fld>
             <a:endParaRPr lang="zh-CN" altLang="en-US"/>
           </a:p>
@@ -2008,7 +2013,7 @@
           <a:p>
             <a:fld id="{D4779389-B9FB-4567-BD01-0A5B03636832}" type="datetimeFigureOut">
               <a:rPr lang="zh-CN" altLang="en-US" smtClean="0"/>
-              <a:t>2016/6/19</a:t>
+              <a:t>2016/6/20</a:t>
             </a:fld>
             <a:endParaRPr lang="zh-CN" altLang="en-US"/>
           </a:p>
@@ -2868,7 +2873,7 @@
           <a:p>
             <a:fld id="{D4779389-B9FB-4567-BD01-0A5B03636832}" type="datetimeFigureOut">
               <a:rPr lang="zh-CN" altLang="en-US" smtClean="0"/>
-              <a:t>2016/6/19</a:t>
+              <a:t>2016/6/20</a:t>
             </a:fld>
             <a:endParaRPr lang="zh-CN" altLang="en-US"/>
           </a:p>
@@ -3038,7 +3043,7 @@
           <a:p>
             <a:fld id="{D4779389-B9FB-4567-BD01-0A5B03636832}" type="datetimeFigureOut">
               <a:rPr lang="zh-CN" altLang="en-US" smtClean="0"/>
-              <a:t>2016/6/19</a:t>
+              <a:t>2016/6/20</a:t>
             </a:fld>
             <a:endParaRPr lang="zh-CN" altLang="en-US"/>
           </a:p>
@@ -3218,7 +3223,7 @@
           <a:p>
             <a:fld id="{D4779389-B9FB-4567-BD01-0A5B03636832}" type="datetimeFigureOut">
               <a:rPr lang="zh-CN" altLang="en-US" smtClean="0"/>
-              <a:t>2016/6/19</a:t>
+              <a:t>2016/6/20</a:t>
             </a:fld>
             <a:endParaRPr lang="zh-CN" altLang="en-US"/>
           </a:p>
@@ -3388,7 +3393,7 @@
           <a:p>
             <a:fld id="{D4779389-B9FB-4567-BD01-0A5B03636832}" type="datetimeFigureOut">
               <a:rPr lang="zh-CN" altLang="en-US" smtClean="0"/>
-              <a:t>2016/6/19</a:t>
+              <a:t>2016/6/20</a:t>
             </a:fld>
             <a:endParaRPr lang="zh-CN" altLang="en-US"/>
           </a:p>
@@ -3635,7 +3640,7 @@
           <a:p>
             <a:fld id="{D4779389-B9FB-4567-BD01-0A5B03636832}" type="datetimeFigureOut">
               <a:rPr lang="zh-CN" altLang="en-US" smtClean="0"/>
-              <a:t>2016/6/19</a:t>
+              <a:t>2016/6/20</a:t>
             </a:fld>
             <a:endParaRPr lang="zh-CN" altLang="en-US"/>
           </a:p>
@@ -3927,7 +3932,7 @@
           <a:p>
             <a:fld id="{D4779389-B9FB-4567-BD01-0A5B03636832}" type="datetimeFigureOut">
               <a:rPr lang="zh-CN" altLang="en-US" smtClean="0"/>
-              <a:t>2016/6/19</a:t>
+              <a:t>2016/6/20</a:t>
             </a:fld>
             <a:endParaRPr lang="zh-CN" altLang="en-US"/>
           </a:p>
@@ -4371,7 +4376,7 @@
           <a:p>
             <a:fld id="{D4779389-B9FB-4567-BD01-0A5B03636832}" type="datetimeFigureOut">
               <a:rPr lang="zh-CN" altLang="en-US" smtClean="0"/>
-              <a:t>2016/6/19</a:t>
+              <a:t>2016/6/20</a:t>
             </a:fld>
             <a:endParaRPr lang="zh-CN" altLang="en-US"/>
           </a:p>
@@ -4489,7 +4494,7 @@
           <a:p>
             <a:fld id="{D4779389-B9FB-4567-BD01-0A5B03636832}" type="datetimeFigureOut">
               <a:rPr lang="zh-CN" altLang="en-US" smtClean="0"/>
-              <a:t>2016/6/19</a:t>
+              <a:t>2016/6/20</a:t>
             </a:fld>
             <a:endParaRPr lang="zh-CN" altLang="en-US"/>
           </a:p>
@@ -4584,7 +4589,7 @@
           <a:p>
             <a:fld id="{D4779389-B9FB-4567-BD01-0A5B03636832}" type="datetimeFigureOut">
               <a:rPr lang="zh-CN" altLang="en-US" smtClean="0"/>
-              <a:t>2016/6/19</a:t>
+              <a:t>2016/6/20</a:t>
             </a:fld>
             <a:endParaRPr lang="zh-CN" altLang="en-US"/>
           </a:p>
@@ -4863,7 +4868,7 @@
           <a:p>
             <a:fld id="{D4779389-B9FB-4567-BD01-0A5B03636832}" type="datetimeFigureOut">
               <a:rPr lang="zh-CN" altLang="en-US" smtClean="0"/>
-              <a:t>2016/6/19</a:t>
+              <a:t>2016/6/20</a:t>
             </a:fld>
             <a:endParaRPr lang="zh-CN" altLang="en-US"/>
           </a:p>
@@ -5138,7 +5143,7 @@
           <a:p>
             <a:fld id="{D4779389-B9FB-4567-BD01-0A5B03636832}" type="datetimeFigureOut">
               <a:rPr lang="zh-CN" altLang="en-US" smtClean="0"/>
-              <a:t>2016/6/19</a:t>
+              <a:t>2016/6/20</a:t>
             </a:fld>
             <a:endParaRPr lang="zh-CN" altLang="en-US"/>
           </a:p>
@@ -5567,7 +5572,7 @@
           <a:p>
             <a:fld id="{D4779389-B9FB-4567-BD01-0A5B03636832}" type="datetimeFigureOut">
               <a:rPr lang="zh-CN" altLang="en-US" smtClean="0"/>
-              <a:t>2016/6/19</a:t>
+              <a:t>2016/6/20</a:t>
             </a:fld>
             <a:endParaRPr lang="zh-CN" altLang="en-US"/>
           </a:p>
@@ -6124,10 +6129,6 @@
               </a:rPr>
               <a:t>数据可视化</a:t>
             </a:r>
-            <a:endParaRPr lang="zh-CN" altLang="en-US" dirty="0">
-              <a:latin typeface="等线" panose="02010600030101010101" pitchFamily="2" charset="-122"/>
-              <a:ea typeface="等线" panose="02010600030101010101" pitchFamily="2" charset="-122"/>
-            </a:endParaRPr>
           </a:p>
         </p:txBody>
       </p:sp>
@@ -6885,7 +6886,9 @@
         </p:nvSpPr>
         <p:spPr/>
         <p:txBody>
-          <a:bodyPr/>
+          <a:bodyPr>
+            <a:normAutofit/>
+          </a:bodyPr>
           <a:lstStyle/>
           <a:p>
             <a:r>
@@ -6897,13 +6900,6 @@
           <a:p>
             <a:r>
               <a:rPr lang="zh-CN" altLang="en-US" dirty="0" smtClean="0"/>
-              <a:t>求解词向量关系的余弦矩阵</a:t>
-            </a:r>
-            <a:endParaRPr lang="en-US" altLang="zh-CN" dirty="0" smtClean="0"/>
-          </a:p>
-          <a:p>
-            <a:r>
-              <a:rPr lang="zh-CN" altLang="en-US" dirty="0" smtClean="0"/>
               <a:t>采用</a:t>
             </a:r>
             <a:r>
@@ -6931,14 +6927,30 @@
           <a:p>
             <a:r>
               <a:rPr lang="zh-CN" altLang="en-US" dirty="0" smtClean="0"/>
-              <a:t>寻找关联性较强的部分不同类别词汇</a:t>
+              <a:t>求解降维后词</a:t>
+            </a:r>
+            <a:r>
+              <a:rPr lang="zh-CN" altLang="en-US" dirty="0"/>
+              <a:t>向量关系的余弦</a:t>
+            </a:r>
+            <a:r>
+              <a:rPr lang="zh-CN" altLang="en-US" dirty="0" smtClean="0"/>
+              <a:t>矩阵</a:t>
             </a:r>
             <a:endParaRPr lang="en-US" altLang="zh-CN" dirty="0" smtClean="0"/>
           </a:p>
           <a:p>
             <a:r>
               <a:rPr lang="zh-CN" altLang="en-US" dirty="0" smtClean="0"/>
-              <a:t>不同展示方式可以展示的数据量级不一样</a:t>
+              <a:t>寻找</a:t>
+            </a:r>
+            <a:r>
+              <a:rPr lang="zh-CN" altLang="en-US" dirty="0" smtClean="0"/>
+              <a:t>关联性较强的部分不同类别</a:t>
+            </a:r>
+            <a:r>
+              <a:rPr lang="zh-CN" altLang="en-US" dirty="0" smtClean="0"/>
+              <a:t>词汇</a:t>
             </a:r>
             <a:endParaRPr lang="en-US" altLang="zh-CN" dirty="0" smtClean="0"/>
           </a:p>
@@ -7736,7 +7748,7 @@
       </p:sp>
       <p:pic>
         <p:nvPicPr>
-          <p:cNvPr id="4" name="内容占位符 3"/>
+          <p:cNvPr id="5" name="内容占位符 4"/>
           <p:cNvPicPr>
             <a:picLocks noGrp="1" noChangeAspect="1"/>
           </p:cNvPicPr>
@@ -7752,8 +7764,8 @@
         </p:blipFill>
         <p:spPr>
           <a:xfrm>
-            <a:off x="816617" y="1853247"/>
-            <a:ext cx="4202584" cy="4195762"/>
+            <a:off x="646111" y="1853247"/>
+            <a:ext cx="4188838" cy="4195762"/>
           </a:xfrm>
           <a:prstGeom prst="rect">
             <a:avLst/>
